--- a/artifacts/lab_checkpoint_slides.pptx
+++ b/artifacts/lab_checkpoint_slides.pptx
@@ -124,6 +124,14 @@
 </p:presentation>
 </file>
 
+<file path=ppt/revisionInfo.xml><?xml version="1.0" encoding="utf-8"?>
+<p1510:revInfo xmlns:a="http://schemas.openxmlformats.org/drawingml/2006/main" xmlns:r="http://schemas.openxmlformats.org/officeDocument/2006/relationships" xmlns:p1510="http://schemas.microsoft.com/office/powerpoint/2015/10/main">
+  <p1510:revLst>
+    <p1510:client id="{68174C7B-A529-D2F1-1B34-342FD7A7B45C}" v="346" dt="2024-09-12T15:05:24.921"/>
+  </p1510:revLst>
+</p1510:revInfo>
+</file>
+
 <file path=ppt/slideLayouts/slideLayout1.xml><?xml version="1.0" encoding="utf-8"?>
 <p:sldLayout xmlns:a="http://schemas.openxmlformats.org/drawingml/2006/main" xmlns:r="http://schemas.openxmlformats.org/officeDocument/2006/relationships" xmlns:p="http://schemas.openxmlformats.org/presentationml/2006/main" type="title" preserve="1">
   <p:cSld name="Title Slide">
@@ -271,7 +279,7 @@
           <a:p>
             <a:fld id="{8C46F3F0-68F7-428C-9545-7E92A36C8789}" type="datetimeFigureOut">
               <a:rPr lang="en-US" smtClean="0"/>
-              <a:t>8/29/2024</a:t>
+              <a:t>9/18/2024</a:t>
             </a:fld>
             <a:endParaRPr lang="en-US"/>
           </a:p>
@@ -469,7 +477,7 @@
           <a:p>
             <a:fld id="{8C46F3F0-68F7-428C-9545-7E92A36C8789}" type="datetimeFigureOut">
               <a:rPr lang="en-US" smtClean="0"/>
-              <a:t>8/29/2024</a:t>
+              <a:t>9/18/2024</a:t>
             </a:fld>
             <a:endParaRPr lang="en-US"/>
           </a:p>
@@ -677,7 +685,7 @@
           <a:p>
             <a:fld id="{8C46F3F0-68F7-428C-9545-7E92A36C8789}" type="datetimeFigureOut">
               <a:rPr lang="en-US" smtClean="0"/>
-              <a:t>8/29/2024</a:t>
+              <a:t>9/18/2024</a:t>
             </a:fld>
             <a:endParaRPr lang="en-US"/>
           </a:p>
@@ -875,7 +883,7 @@
           <a:p>
             <a:fld id="{8C46F3F0-68F7-428C-9545-7E92A36C8789}" type="datetimeFigureOut">
               <a:rPr lang="en-US" smtClean="0"/>
-              <a:t>8/29/2024</a:t>
+              <a:t>9/18/2024</a:t>
             </a:fld>
             <a:endParaRPr lang="en-US"/>
           </a:p>
@@ -1150,7 +1158,7 @@
           <a:p>
             <a:fld id="{8C46F3F0-68F7-428C-9545-7E92A36C8789}" type="datetimeFigureOut">
               <a:rPr lang="en-US" smtClean="0"/>
-              <a:t>8/29/2024</a:t>
+              <a:t>9/18/2024</a:t>
             </a:fld>
             <a:endParaRPr lang="en-US"/>
           </a:p>
@@ -1415,7 +1423,7 @@
           <a:p>
             <a:fld id="{8C46F3F0-68F7-428C-9545-7E92A36C8789}" type="datetimeFigureOut">
               <a:rPr lang="en-US" smtClean="0"/>
-              <a:t>8/29/2024</a:t>
+              <a:t>9/18/2024</a:t>
             </a:fld>
             <a:endParaRPr lang="en-US"/>
           </a:p>
@@ -1827,7 +1835,7 @@
           <a:p>
             <a:fld id="{8C46F3F0-68F7-428C-9545-7E92A36C8789}" type="datetimeFigureOut">
               <a:rPr lang="en-US" smtClean="0"/>
-              <a:t>8/29/2024</a:t>
+              <a:t>9/18/2024</a:t>
             </a:fld>
             <a:endParaRPr lang="en-US"/>
           </a:p>
@@ -1968,7 +1976,7 @@
           <a:p>
             <a:fld id="{8C46F3F0-68F7-428C-9545-7E92A36C8789}" type="datetimeFigureOut">
               <a:rPr lang="en-US" smtClean="0"/>
-              <a:t>8/29/2024</a:t>
+              <a:t>9/18/2024</a:t>
             </a:fld>
             <a:endParaRPr lang="en-US"/>
           </a:p>
@@ -2081,7 +2089,7 @@
           <a:p>
             <a:fld id="{8C46F3F0-68F7-428C-9545-7E92A36C8789}" type="datetimeFigureOut">
               <a:rPr lang="en-US" smtClean="0"/>
-              <a:t>8/29/2024</a:t>
+              <a:t>9/18/2024</a:t>
             </a:fld>
             <a:endParaRPr lang="en-US"/>
           </a:p>
@@ -2392,7 +2400,7 @@
           <a:p>
             <a:fld id="{8C46F3F0-68F7-428C-9545-7E92A36C8789}" type="datetimeFigureOut">
               <a:rPr lang="en-US" smtClean="0"/>
-              <a:t>8/29/2024</a:t>
+              <a:t>9/18/2024</a:t>
             </a:fld>
             <a:endParaRPr lang="en-US"/>
           </a:p>
@@ -2680,7 +2688,7 @@
           <a:p>
             <a:fld id="{8C46F3F0-68F7-428C-9545-7E92A36C8789}" type="datetimeFigureOut">
               <a:rPr lang="en-US" smtClean="0"/>
-              <a:t>8/29/2024</a:t>
+              <a:t>9/18/2024</a:t>
             </a:fld>
             <a:endParaRPr lang="en-US"/>
           </a:p>
@@ -2921,7 +2929,7 @@
           <a:p>
             <a:fld id="{8C46F3F0-68F7-428C-9545-7E92A36C8789}" type="datetimeFigureOut">
               <a:rPr lang="en-US" smtClean="0"/>
-              <a:t>8/29/2024</a:t>
+              <a:t>9/18/2024</a:t>
             </a:fld>
             <a:endParaRPr lang="en-US"/>
           </a:p>
@@ -3486,12 +3494,98 @@
         </p:nvSpPr>
         <p:spPr/>
         <p:txBody>
-          <a:bodyPr/>
-          <a:lstStyle/>
-          <a:p>
-            <a:r>
-              <a:rPr lang="en-US" dirty="0"/>
-              <a:t>What challenges did you come across last week and how can they be addressed?</a:t>
+          <a:bodyPr vert="horz" lIns="91440" tIns="45720" rIns="91440" bIns="45720" rtlCol="0" anchor="t">
+            <a:normAutofit/>
+          </a:bodyPr>
+          <a:lstStyle/>
+          <a:p>
+            <a:r>
+              <a:rPr lang="en-US" dirty="0" err="1">
+                <a:ea typeface="Calibri"/>
+                <a:cs typeface="Calibri"/>
+              </a:rPr>
+              <a:t>Timer.c</a:t>
+            </a:r>
+            <a:r>
+              <a:rPr lang="en-US" dirty="0">
+                <a:ea typeface="Calibri"/>
+                <a:cs typeface="Calibri"/>
+              </a:rPr>
+              <a:t> and </a:t>
+            </a:r>
+            <a:r>
+              <a:rPr lang="en-US" dirty="0" err="1">
+                <a:ea typeface="Calibri"/>
+                <a:cs typeface="Calibri"/>
+              </a:rPr>
+              <a:t>verifier.c</a:t>
+            </a:r>
+            <a:r>
+              <a:rPr lang="en-US" dirty="0">
+                <a:ea typeface="Calibri"/>
+                <a:cs typeface="Calibri"/>
+              </a:rPr>
+              <a:t> had bugs checking </a:t>
+            </a:r>
+            <a:r>
+              <a:rPr lang="en-US" dirty="0" err="1">
+                <a:ea typeface="Calibri"/>
+                <a:cs typeface="Calibri"/>
+              </a:rPr>
+              <a:t>arg</a:t>
+            </a:r>
+            <a:r>
+              <a:rPr lang="en-US" dirty="0">
+                <a:ea typeface="Calibri"/>
+                <a:cs typeface="Calibri"/>
+              </a:rPr>
+              <a:t> count for output file... was pretty easy to notice and fix.</a:t>
+            </a:r>
+          </a:p>
+          <a:p>
+            <a:r>
+              <a:rPr lang="en-US" dirty="0">
+                <a:ea typeface="Calibri"/>
+                <a:cs typeface="Calibri"/>
+              </a:rPr>
+              <a:t>Getting </a:t>
+            </a:r>
+            <a:r>
+              <a:rPr lang="en-US" dirty="0" err="1">
+                <a:ea typeface="Calibri"/>
+                <a:cs typeface="Calibri"/>
+              </a:rPr>
+              <a:t>makefile</a:t>
+            </a:r>
+            <a:r>
+              <a:rPr lang="en-US" dirty="0">
+                <a:ea typeface="Calibri"/>
+                <a:cs typeface="Calibri"/>
+              </a:rPr>
+              <a:t> setup to automate recording of data</a:t>
+            </a:r>
+          </a:p>
+          <a:p>
+            <a:r>
+              <a:rPr lang="en-US" dirty="0">
+                <a:ea typeface="Calibri"/>
+                <a:cs typeface="Calibri"/>
+              </a:rPr>
+              <a:t>Testing all sorts to </a:t>
+            </a:r>
+            <a:r>
+              <a:rPr lang="en-US" dirty="0" err="1">
+                <a:ea typeface="Calibri"/>
+                <a:cs typeface="Calibri"/>
+              </a:rPr>
+              <a:t>deterimine</a:t>
+            </a:r>
+            <a:r>
+              <a:rPr lang="en-US" dirty="0">
+                <a:ea typeface="Calibri"/>
+                <a:cs typeface="Calibri"/>
+              </a:rPr>
+              <a:t> ranges where best</a:t>
             </a:r>
           </a:p>
         </p:txBody>
@@ -3572,18 +3666,17 @@
         </p:nvSpPr>
         <p:spPr/>
         <p:txBody>
-          <a:bodyPr/>
-          <a:lstStyle/>
-          <a:p>
-            <a:r>
-              <a:rPr lang="en-US" dirty="0"/>
-              <a:t>What were the responsibilities last week and were they met?</a:t>
-            </a:r>
-          </a:p>
-          <a:p>
-            <a:r>
-              <a:rPr lang="en-US" dirty="0"/>
-              <a:t>Adjust the statement of work as needed.</a:t>
+          <a:bodyPr vert="horz" lIns="91440" tIns="45720" rIns="91440" bIns="45720" rtlCol="0" anchor="t">
+            <a:normAutofit/>
+          </a:bodyPr>
+          <a:lstStyle/>
+          <a:p>
+            <a:r>
+              <a:rPr lang="en-US" dirty="0">
+                <a:ea typeface="Calibri"/>
+                <a:cs typeface="Calibri"/>
+              </a:rPr>
+              <a:t>Everybody got their sorts in, and are now able to compare and start working on master sort</a:t>
             </a:r>
           </a:p>
         </p:txBody>
@@ -3664,12 +3757,31 @@
         </p:nvSpPr>
         <p:spPr/>
         <p:txBody>
-          <a:bodyPr/>
-          <a:lstStyle/>
-          <a:p>
-            <a:r>
-              <a:rPr lang="en-US" dirty="0"/>
-              <a:t>Create a rough timeline that includes the proposed deadlines for the tasks and meeting times.</a:t>
+          <a:bodyPr vert="horz" lIns="91440" tIns="45720" rIns="91440" bIns="45720" rtlCol="0" anchor="t">
+            <a:normAutofit/>
+          </a:bodyPr>
+          <a:lstStyle/>
+          <a:p>
+            <a:r>
+              <a:rPr lang="en-US" dirty="0">
+                <a:ea typeface="Calibri"/>
+                <a:cs typeface="Calibri"/>
+              </a:rPr>
+              <a:t>By </a:t>
+            </a:r>
+            <a:r>
+              <a:rPr lang="en-US" dirty="0" err="1">
+                <a:ea typeface="Calibri"/>
+                <a:cs typeface="Calibri"/>
+              </a:rPr>
+              <a:t>saturday</a:t>
+            </a:r>
+            <a:r>
+              <a:rPr lang="en-US" dirty="0">
+                <a:ea typeface="Calibri"/>
+                <a:cs typeface="Calibri"/>
+              </a:rPr>
+              <a:t> hopefully have master sort done, then rest of time spent on writeup.</a:t>
             </a:r>
           </a:p>
         </p:txBody>
@@ -3754,24 +3866,23 @@
         </p:nvSpPr>
         <p:spPr/>
         <p:txBody>
-          <a:bodyPr/>
-          <a:lstStyle/>
-          <a:p>
-            <a:r>
-              <a:rPr lang="en-US" dirty="0"/>
-              <a:t>What questions do you need answered to move forward?</a:t>
-            </a:r>
-          </a:p>
-          <a:p>
-            <a:r>
-              <a:rPr lang="en-US" dirty="0"/>
-              <a:t>Have they been posted on the discussion board?</a:t>
-            </a:r>
-          </a:p>
-          <a:p>
-            <a:r>
-              <a:rPr lang="en-US" dirty="0"/>
-              <a:t>Are there questions you can answer on the discussion board?</a:t>
+          <a:bodyPr vert="horz" lIns="91440" tIns="45720" rIns="91440" bIns="45720" rtlCol="0" anchor="t">
+            <a:normAutofit/>
+          </a:bodyPr>
+          <a:lstStyle/>
+          <a:p>
+            <a:r>
+              <a:rPr lang="en-US"/>
+              <a:t>What GPEL machine is the whole class testing for extra credit on?</a:t>
+            </a:r>
+          </a:p>
+          <a:p>
+            <a:r>
+              <a:rPr lang="en-US" dirty="0">
+                <a:ea typeface="Calibri"/>
+                <a:cs typeface="Calibri"/>
+              </a:rPr>
+              <a:t>Why is the merge with insertion faster than just insertion for small arrays?</a:t>
             </a:r>
           </a:p>
         </p:txBody>
@@ -4427,12 +4538,27 @@
         </p:nvSpPr>
         <p:spPr/>
         <p:txBody>
-          <a:bodyPr/>
+          <a:bodyPr vert="horz" lIns="91440" tIns="45720" rIns="91440" bIns="45720" rtlCol="0" anchor="t">
+            <a:normAutofit/>
+          </a:bodyPr>
           <a:lstStyle/>
           <a:p>
             <a:r>
               <a:rPr lang="en-US" dirty="0"/>
               <a:t>What challenges did you come across last week and how can they be addressed?</a:t>
+            </a:r>
+          </a:p>
+          <a:p>
+            <a:pPr lvl="1">
+              <a:buFont typeface="Courier New" panose="020B0604020202020204" pitchFamily="34" charset="0"/>
+              <a:buChar char="o"/>
+            </a:pPr>
+            <a:r>
+              <a:rPr lang="en-US" dirty="0">
+                <a:ea typeface="Calibri"/>
+                <a:cs typeface="Calibri"/>
+              </a:rPr>
+              <a:t>No really difficult challenges, just trying out different sorts and optimizations</a:t>
             </a:r>
           </a:p>
         </p:txBody>
@@ -4513,7 +4639,9 @@
         </p:nvSpPr>
         <p:spPr/>
         <p:txBody>
-          <a:bodyPr/>
+          <a:bodyPr vert="horz" lIns="91440" tIns="45720" rIns="91440" bIns="45720" rtlCol="0" anchor="t">
+            <a:normAutofit/>
+          </a:bodyPr>
           <a:lstStyle/>
           <a:p>
             <a:r>
@@ -4522,10 +4650,55 @@
             </a:r>
           </a:p>
           <a:p>
+            <a:pPr lvl="1">
+              <a:buFont typeface="Courier New" panose="020B0604020202020204" pitchFamily="34" charset="0"/>
+              <a:buChar char="o"/>
+            </a:pPr>
+            <a:r>
+              <a:rPr lang="en-US" dirty="0">
+                <a:ea typeface="Calibri"/>
+                <a:cs typeface="Calibri"/>
+              </a:rPr>
+              <a:t>Everyone was to implement a basic sort and have a couple refinements</a:t>
+            </a:r>
+          </a:p>
+          <a:p>
+            <a:pPr lvl="1">
+              <a:buFont typeface="Courier New" panose="020B0604020202020204" pitchFamily="34" charset="0"/>
+              <a:buChar char="o"/>
+            </a:pPr>
+            <a:r>
+              <a:rPr lang="en-US" dirty="0">
+                <a:ea typeface="Calibri"/>
+                <a:cs typeface="Calibri"/>
+              </a:rPr>
+              <a:t>Everyone did their task</a:t>
+            </a:r>
+          </a:p>
+          <a:p>
             <a:r>
               <a:rPr lang="en-US" dirty="0"/>
               <a:t>Adjust the statement of work as needed.</a:t>
             </a:r>
+          </a:p>
+          <a:p>
+            <a:pPr lvl="1">
+              <a:buFont typeface="Courier New" panose="020B0604020202020204" pitchFamily="34" charset="0"/>
+              <a:buChar char="o"/>
+            </a:pPr>
+            <a:r>
+              <a:rPr lang="en-US" dirty="0">
+                <a:ea typeface="Calibri" panose="020F0502020204030204"/>
+                <a:cs typeface="Calibri" panose="020F0502020204030204"/>
+              </a:rPr>
+              <a:t>Continue working on refinements</a:t>
+            </a:r>
+          </a:p>
+          <a:p>
+            <a:endParaRPr lang="en-US" dirty="0">
+              <a:ea typeface="Calibri" panose="020F0502020204030204"/>
+              <a:cs typeface="Calibri" panose="020F0502020204030204"/>
+            </a:endParaRPr>
           </a:p>
         </p:txBody>
       </p:sp>
@@ -4605,12 +4778,40 @@
         </p:nvSpPr>
         <p:spPr/>
         <p:txBody>
-          <a:bodyPr/>
+          <a:bodyPr vert="horz" lIns="91440" tIns="45720" rIns="91440" bIns="45720" rtlCol="0" anchor="t">
+            <a:normAutofit/>
+          </a:bodyPr>
           <a:lstStyle/>
           <a:p>
             <a:r>
               <a:rPr lang="en-US" dirty="0"/>
               <a:t>Create a rough timeline that includes the proposed deadlines for the tasks and meeting times.</a:t>
+            </a:r>
+          </a:p>
+          <a:p>
+            <a:pPr lvl="1">
+              <a:buFont typeface="Courier New" panose="020B0604020202020204" pitchFamily="34" charset="0"/>
+              <a:buChar char="o"/>
+            </a:pPr>
+            <a:r>
+              <a:rPr lang="en-US" dirty="0">
+                <a:ea typeface="Calibri"/>
+                <a:cs typeface="Calibri"/>
+              </a:rPr>
+              <a:t>Tuesday Sep, 10 – have some good optimizations and benchmarks</a:t>
+            </a:r>
+          </a:p>
+          <a:p>
+            <a:pPr lvl="1">
+              <a:buFont typeface="Courier New" panose="020B0604020202020204" pitchFamily="34" charset="0"/>
+              <a:buChar char="o"/>
+            </a:pPr>
+            <a:r>
+              <a:rPr lang="en-US" dirty="0">
+                <a:ea typeface="Calibri"/>
+                <a:cs typeface="Calibri"/>
+              </a:rPr>
+              <a:t>Thursday Sep, 12 – hopefully have all the best sorts so we can create a master sort that will dispatch based on size</a:t>
             </a:r>
           </a:p>
         </p:txBody>
@@ -4691,25 +4892,38 @@
         </p:nvSpPr>
         <p:spPr/>
         <p:txBody>
-          <a:bodyPr/>
-          <a:lstStyle/>
-          <a:p>
-            <a:r>
-              <a:rPr lang="en-US" dirty="0"/>
-              <a:t>What questions do you need answered to move forward?</a:t>
-            </a:r>
-          </a:p>
-          <a:p>
-            <a:r>
-              <a:rPr lang="en-US" dirty="0"/>
-              <a:t>Have they been posted on the discussion board?</a:t>
-            </a:r>
-          </a:p>
-          <a:p>
-            <a:r>
-              <a:rPr lang="en-US" dirty="0"/>
-              <a:t>Are there questions you can answer on the discussion board?</a:t>
-            </a:r>
+          <a:bodyPr vert="horz" lIns="91440" tIns="45720" rIns="91440" bIns="45720" rtlCol="0" anchor="t">
+            <a:normAutofit/>
+          </a:bodyPr>
+          <a:lstStyle/>
+          <a:p>
+            <a:r>
+              <a:rPr lang="en-US" dirty="0">
+                <a:ea typeface="Calibri"/>
+                <a:cs typeface="Calibri"/>
+              </a:rPr>
+              <a:t>Which </a:t>
+            </a:r>
+            <a:r>
+              <a:rPr lang="en-US" dirty="0" err="1">
+                <a:ea typeface="Calibri"/>
+                <a:cs typeface="Calibri"/>
+              </a:rPr>
+              <a:t>gpel</a:t>
+            </a:r>
+            <a:r>
+              <a:rPr lang="en-US" dirty="0">
+                <a:ea typeface="Calibri"/>
+                <a:cs typeface="Calibri"/>
+              </a:rPr>
+              <a:t> machine will be tested on at the end?</a:t>
+            </a:r>
+          </a:p>
+          <a:p>
+            <a:endParaRPr lang="en-US" dirty="0">
+              <a:ea typeface="Calibri"/>
+              <a:cs typeface="Calibri"/>
+            </a:endParaRPr>
           </a:p>
         </p:txBody>
       </p:sp>
@@ -5022,20 +5236,20 @@
 </file>
 
 <file path=customXml/item1.xml><?xml version="1.0" encoding="utf-8"?>
-<p:properties xmlns:p="http://schemas.microsoft.com/office/2006/metadata/properties" xmlns:xsi="http://www.w3.org/2001/XMLSchema-instance" xmlns:pc="http://schemas.microsoft.com/office/infopath/2007/PartnerControls">
-  <documentManagement>
-    <_activity xmlns="19dc0929-3265-432c-90cd-a4a18b147cbc" xsi:nil="true"/>
-  </documentManagement>
-</p:properties>
-</file>
-
-<file path=customXml/item2.xml><?xml version="1.0" encoding="utf-8"?>
 <?mso-contentType ?>
 <FormTemplates xmlns="http://schemas.microsoft.com/sharepoint/v3/contenttype/forms">
   <Display>DocumentLibraryForm</Display>
   <Edit>DocumentLibraryForm</Edit>
   <New>DocumentLibraryForm</New>
 </FormTemplates>
+</file>
+
+<file path=customXml/item2.xml><?xml version="1.0" encoding="utf-8"?>
+<p:properties xmlns:p="http://schemas.microsoft.com/office/2006/metadata/properties" xmlns:xsi="http://www.w3.org/2001/XMLSchema-instance" xmlns:pc="http://schemas.microsoft.com/office/infopath/2007/PartnerControls">
+  <documentManagement>
+    <_activity xmlns="19dc0929-3265-432c-90cd-a4a18b147cbc" xsi:nil="true"/>
+  </documentManagement>
+</p:properties>
 </file>
 
 <file path=customXml/item3.xml><?xml version="1.0" encoding="utf-8"?>
@@ -5280,6 +5494,14 @@
 </file>
 
 <file path=customXml/itemProps1.xml><?xml version="1.0" encoding="utf-8"?>
+<ds:datastoreItem xmlns:ds="http://schemas.openxmlformats.org/officeDocument/2006/customXml" ds:itemID="{993A126F-20B3-40B5-B4EA-CE07679C7A06}">
+  <ds:schemaRefs>
+    <ds:schemaRef ds:uri="http://schemas.microsoft.com/sharepoint/v3/contenttype/forms"/>
+  </ds:schemaRefs>
+</ds:datastoreItem>
+</file>
+
+<file path=customXml/itemProps2.xml><?xml version="1.0" encoding="utf-8"?>
 <ds:datastoreItem xmlns:ds="http://schemas.openxmlformats.org/officeDocument/2006/customXml" ds:itemID="{FA7DF929-B0BD-494A-B8A2-42A44421BCB3}">
   <ds:schemaRefs>
     <ds:schemaRef ds:uri="http://schemas.microsoft.com/office/2006/documentManagement/types"/>
@@ -5292,14 +5514,6 @@
     <ds:schemaRef ds:uri="e15c2e9d-9071-420f-8402-443b554f1232"/>
     <ds:schemaRef ds:uri="http://schemas.microsoft.com/office/2006/metadata/properties"/>
     <ds:schemaRef ds:uri="http://www.w3.org/XML/1998/namespace"/>
-  </ds:schemaRefs>
-</ds:datastoreItem>
-</file>
-
-<file path=customXml/itemProps2.xml><?xml version="1.0" encoding="utf-8"?>
-<ds:datastoreItem xmlns:ds="http://schemas.openxmlformats.org/officeDocument/2006/customXml" ds:itemID="{993A126F-20B3-40B5-B4EA-CE07679C7A06}">
-  <ds:schemaRefs>
-    <ds:schemaRef ds:uri="http://schemas.microsoft.com/sharepoint/v3/contenttype/forms"/>
   </ds:schemaRefs>
 </ds:datastoreItem>
 </file>
